--- a/Documents/C# Basics.pptx
+++ b/Documents/C# Basics.pptx
@@ -5,7 +5,7 @@
     <p:sldMasterId id="2147483648" r:id="rId1"/>
   </p:sldMasterIdLst>
   <p:notesMasterIdLst>
-    <p:notesMasterId r:id="rId39"/>
+    <p:notesMasterId r:id="rId40"/>
   </p:notesMasterIdLst>
   <p:sldIdLst>
     <p:sldId id="256" r:id="rId2"/>
@@ -39,12 +39,13 @@
     <p:sldId id="284" r:id="rId30"/>
     <p:sldId id="285" r:id="rId31"/>
     <p:sldId id="286" r:id="rId32"/>
-    <p:sldId id="287" r:id="rId33"/>
-    <p:sldId id="290" r:id="rId34"/>
-    <p:sldId id="288" r:id="rId35"/>
-    <p:sldId id="291" r:id="rId36"/>
-    <p:sldId id="293" r:id="rId37"/>
-    <p:sldId id="292" r:id="rId38"/>
+    <p:sldId id="294" r:id="rId33"/>
+    <p:sldId id="287" r:id="rId34"/>
+    <p:sldId id="290" r:id="rId35"/>
+    <p:sldId id="288" r:id="rId36"/>
+    <p:sldId id="291" r:id="rId37"/>
+    <p:sldId id="293" r:id="rId38"/>
+    <p:sldId id="292" r:id="rId39"/>
   </p:sldIdLst>
   <p:sldSz cx="12192000" cy="6858000"/>
   <p:notesSz cx="6858000" cy="9144000"/>
@@ -233,7 +234,7 @@
           <a:p>
             <a:fld id="{CE2867BE-043E-4A1F-8DDF-DF34727D11CB}" type="datetimeFigureOut">
               <a:rPr lang="en-IN" smtClean="0"/>
-              <a:t>26-04-2025</a:t>
+              <a:t>01-05-2025</a:t>
             </a:fld>
             <a:endParaRPr lang="en-IN"/>
           </a:p>
@@ -926,7 +927,7 @@
           <a:p>
             <a:fld id="{1841FDC3-18D3-4BD2-A3DE-6F15FAB08898}" type="datetimeFigureOut">
               <a:rPr lang="en-IN" smtClean="0"/>
-              <a:t>26-04-2025</a:t>
+              <a:t>01-05-2025</a:t>
             </a:fld>
             <a:endParaRPr lang="en-IN"/>
           </a:p>
@@ -1126,7 +1127,7 @@
           <a:p>
             <a:fld id="{1841FDC3-18D3-4BD2-A3DE-6F15FAB08898}" type="datetimeFigureOut">
               <a:rPr lang="en-IN" smtClean="0"/>
-              <a:t>26-04-2025</a:t>
+              <a:t>01-05-2025</a:t>
             </a:fld>
             <a:endParaRPr lang="en-IN"/>
           </a:p>
@@ -1336,7 +1337,7 @@
           <a:p>
             <a:fld id="{1841FDC3-18D3-4BD2-A3DE-6F15FAB08898}" type="datetimeFigureOut">
               <a:rPr lang="en-IN" smtClean="0"/>
-              <a:t>26-04-2025</a:t>
+              <a:t>01-05-2025</a:t>
             </a:fld>
             <a:endParaRPr lang="en-IN"/>
           </a:p>
@@ -1536,7 +1537,7 @@
           <a:p>
             <a:fld id="{1841FDC3-18D3-4BD2-A3DE-6F15FAB08898}" type="datetimeFigureOut">
               <a:rPr lang="en-IN" smtClean="0"/>
-              <a:t>26-04-2025</a:t>
+              <a:t>01-05-2025</a:t>
             </a:fld>
             <a:endParaRPr lang="en-IN"/>
           </a:p>
@@ -1812,7 +1813,7 @@
           <a:p>
             <a:fld id="{1841FDC3-18D3-4BD2-A3DE-6F15FAB08898}" type="datetimeFigureOut">
               <a:rPr lang="en-IN" smtClean="0"/>
-              <a:t>26-04-2025</a:t>
+              <a:t>01-05-2025</a:t>
             </a:fld>
             <a:endParaRPr lang="en-IN"/>
           </a:p>
@@ -2080,7 +2081,7 @@
           <a:p>
             <a:fld id="{1841FDC3-18D3-4BD2-A3DE-6F15FAB08898}" type="datetimeFigureOut">
               <a:rPr lang="en-IN" smtClean="0"/>
-              <a:t>26-04-2025</a:t>
+              <a:t>01-05-2025</a:t>
             </a:fld>
             <a:endParaRPr lang="en-IN"/>
           </a:p>
@@ -2495,7 +2496,7 @@
           <a:p>
             <a:fld id="{1841FDC3-18D3-4BD2-A3DE-6F15FAB08898}" type="datetimeFigureOut">
               <a:rPr lang="en-IN" smtClean="0"/>
-              <a:t>26-04-2025</a:t>
+              <a:t>01-05-2025</a:t>
             </a:fld>
             <a:endParaRPr lang="en-IN"/>
           </a:p>
@@ -2637,7 +2638,7 @@
           <a:p>
             <a:fld id="{1841FDC3-18D3-4BD2-A3DE-6F15FAB08898}" type="datetimeFigureOut">
               <a:rPr lang="en-IN" smtClean="0"/>
-              <a:t>26-04-2025</a:t>
+              <a:t>01-05-2025</a:t>
             </a:fld>
             <a:endParaRPr lang="en-IN"/>
           </a:p>
@@ -2750,7 +2751,7 @@
           <a:p>
             <a:fld id="{1841FDC3-18D3-4BD2-A3DE-6F15FAB08898}" type="datetimeFigureOut">
               <a:rPr lang="en-IN" smtClean="0"/>
-              <a:t>26-04-2025</a:t>
+              <a:t>01-05-2025</a:t>
             </a:fld>
             <a:endParaRPr lang="en-IN"/>
           </a:p>
@@ -3063,7 +3064,7 @@
           <a:p>
             <a:fld id="{1841FDC3-18D3-4BD2-A3DE-6F15FAB08898}" type="datetimeFigureOut">
               <a:rPr lang="en-IN" smtClean="0"/>
-              <a:t>26-04-2025</a:t>
+              <a:t>01-05-2025</a:t>
             </a:fld>
             <a:endParaRPr lang="en-IN"/>
           </a:p>
@@ -3352,7 +3353,7 @@
           <a:p>
             <a:fld id="{1841FDC3-18D3-4BD2-A3DE-6F15FAB08898}" type="datetimeFigureOut">
               <a:rPr lang="en-IN" smtClean="0"/>
-              <a:t>26-04-2025</a:t>
+              <a:t>01-05-2025</a:t>
             </a:fld>
             <a:endParaRPr lang="en-IN"/>
           </a:p>
@@ -3595,7 +3596,7 @@
           <a:p>
             <a:fld id="{1841FDC3-18D3-4BD2-A3DE-6F15FAB08898}" type="datetimeFigureOut">
               <a:rPr lang="en-IN" smtClean="0"/>
-              <a:t>26-04-2025</a:t>
+              <a:t>01-05-2025</a:t>
             </a:fld>
             <a:endParaRPr lang="en-IN"/>
           </a:p>
@@ -13879,6 +13880,225 @@
         <p:cNvPr id="1" name="">
           <a:extLst>
             <a:ext uri="{FF2B5EF4-FFF2-40B4-BE49-F238E27FC236}">
+              <a16:creationId xmlns:a16="http://schemas.microsoft.com/office/drawing/2014/main" id="{6975DE1D-08A6-1DAD-B633-CCD82B63E510}"/>
+            </a:ext>
+          </a:extLst>
+        </p:cNvPr>
+        <p:cNvGrpSpPr/>
+        <p:nvPr/>
+      </p:nvGrpSpPr>
+      <p:grpSpPr>
+        <a:xfrm>
+          <a:off x="0" y="0"/>
+          <a:ext cx="0" cy="0"/>
+          <a:chOff x="0" y="0"/>
+          <a:chExt cx="0" cy="0"/>
+        </a:xfrm>
+      </p:grpSpPr>
+      <p:sp>
+        <p:nvSpPr>
+          <p:cNvPr id="3" name="TextBox 2">
+            <a:extLst>
+              <a:ext uri="{FF2B5EF4-FFF2-40B4-BE49-F238E27FC236}">
+                <a16:creationId xmlns:a16="http://schemas.microsoft.com/office/drawing/2014/main" id="{AB9BFB39-7178-F967-56AF-5DAB330D61BB}"/>
+              </a:ext>
+            </a:extLst>
+          </p:cNvPr>
+          <p:cNvSpPr txBox="1"/>
+          <p:nvPr/>
+        </p:nvSpPr>
+        <p:spPr>
+          <a:xfrm>
+            <a:off x="482111" y="1336119"/>
+            <a:ext cx="11227777" cy="5047536"/>
+          </a:xfrm>
+          <a:prstGeom prst="rect">
+            <a:avLst/>
+          </a:prstGeom>
+          <a:noFill/>
+        </p:spPr>
+        <p:txBody>
+          <a:bodyPr wrap="square">
+            <a:spAutoFit/>
+          </a:bodyPr>
+          <a:lstStyle/>
+          <a:p>
+            <a:r>
+              <a:rPr lang="en-US" sz="1400" dirty="0"/>
+              <a:t>In C#, a sealed class is a class that cannot be inherited by other classes. The sealed keyword is used to restrict a class from being extended, ensuring that its behavior remains unchanged and final. This is particularly useful when you want to prevent accidental or intentional modification of a class's functionality in derived classes</a:t>
+            </a:r>
+          </a:p>
+          <a:p>
+            <a:endParaRPr lang="en-US" sz="1400" dirty="0"/>
+          </a:p>
+          <a:p>
+            <a:r>
+              <a:rPr lang="en-US" sz="1400" b="1" dirty="0"/>
+              <a:t>Behavior</a:t>
+            </a:r>
+            <a:r>
+              <a:rPr lang="en-US" sz="1400" dirty="0"/>
+              <a:t>:</a:t>
+            </a:r>
+          </a:p>
+          <a:p>
+            <a:endParaRPr lang="en-US" sz="1400" dirty="0"/>
+          </a:p>
+          <a:p>
+            <a:r>
+              <a:rPr lang="en-US" sz="1400" dirty="0"/>
+              <a:t>Once a class is marked as sealed, it cannot be inherited.</a:t>
+            </a:r>
+          </a:p>
+          <a:p>
+            <a:endParaRPr lang="en-US" sz="1400" dirty="0"/>
+          </a:p>
+          <a:p>
+            <a:r>
+              <a:rPr lang="en-US" sz="1400" dirty="0"/>
+              <a:t>You can still use the class and its members in your application, but no additional subclasses can be created from it.</a:t>
+            </a:r>
+          </a:p>
+          <a:p>
+            <a:endParaRPr lang="en-US" sz="1400" dirty="0"/>
+          </a:p>
+          <a:p>
+            <a:r>
+              <a:rPr lang="en-US" sz="1400" b="1" dirty="0"/>
+              <a:t>Use Cases</a:t>
+            </a:r>
+            <a:r>
+              <a:rPr lang="en-US" sz="1400" dirty="0"/>
+              <a:t>:</a:t>
+            </a:r>
+          </a:p>
+          <a:p>
+            <a:endParaRPr lang="en-US" sz="1400" dirty="0"/>
+          </a:p>
+          <a:p>
+            <a:r>
+              <a:rPr lang="en-US" sz="1400" b="1" dirty="0"/>
+              <a:t>Utility Classes</a:t>
+            </a:r>
+            <a:r>
+              <a:rPr lang="en-US" sz="1400" dirty="0"/>
+              <a:t>:</a:t>
+            </a:r>
+          </a:p>
+          <a:p>
+            <a:endParaRPr lang="en-US" sz="1400" dirty="0"/>
+          </a:p>
+          <a:p>
+            <a:r>
+              <a:rPr lang="en-US" sz="1400" dirty="0"/>
+              <a:t>Prevent inheritance and modification of generic utility classes to ensure consistent functionality.</a:t>
+            </a:r>
+          </a:p>
+          <a:p>
+            <a:endParaRPr lang="en-US" sz="1400" dirty="0"/>
+          </a:p>
+          <a:p>
+            <a:r>
+              <a:rPr lang="en-US" sz="1400" b="1" dirty="0"/>
+              <a:t>Security Concerns</a:t>
+            </a:r>
+            <a:r>
+              <a:rPr lang="en-US" sz="1400" dirty="0"/>
+              <a:t>:</a:t>
+            </a:r>
+          </a:p>
+          <a:p>
+            <a:endParaRPr lang="en-US" sz="1400" dirty="0"/>
+          </a:p>
+          <a:p>
+            <a:r>
+              <a:rPr lang="en-US" sz="1400" dirty="0"/>
+              <a:t>Seal classes containing sensitive business logic to avoid accidental or malicious overrides.</a:t>
+            </a:r>
+          </a:p>
+          <a:p>
+            <a:endParaRPr lang="en-US" sz="1400" dirty="0"/>
+          </a:p>
+          <a:p>
+            <a:r>
+              <a:rPr lang="en-US" sz="1400" b="1" dirty="0"/>
+              <a:t>Performance</a:t>
+            </a:r>
+            <a:r>
+              <a:rPr lang="en-US" sz="1400" dirty="0"/>
+              <a:t>:</a:t>
+            </a:r>
+          </a:p>
+          <a:p>
+            <a:endParaRPr lang="en-US" sz="1400" dirty="0"/>
+          </a:p>
+          <a:p>
+            <a:r>
+              <a:rPr lang="en-US" sz="1400" dirty="0"/>
+              <a:t>The runtime optimizes method calls for sealed classes since it doesn't need to check for overrides.</a:t>
+            </a:r>
+            <a:endParaRPr lang="en-IN" sz="1400" dirty="0"/>
+          </a:p>
+        </p:txBody>
+      </p:sp>
+      <p:sp>
+        <p:nvSpPr>
+          <p:cNvPr id="8" name="TextBox 7">
+            <a:extLst>
+              <a:ext uri="{FF2B5EF4-FFF2-40B4-BE49-F238E27FC236}">
+                <a16:creationId xmlns:a16="http://schemas.microsoft.com/office/drawing/2014/main" id="{23E2B851-8F14-B00F-7705-A279FE9216CB}"/>
+              </a:ext>
+            </a:extLst>
+          </p:cNvPr>
+          <p:cNvSpPr txBox="1"/>
+          <p:nvPr/>
+        </p:nvSpPr>
+        <p:spPr>
+          <a:xfrm>
+            <a:off x="2556364" y="232323"/>
+            <a:ext cx="6097464" cy="646331"/>
+          </a:xfrm>
+          <a:prstGeom prst="rect">
+            <a:avLst/>
+          </a:prstGeom>
+          <a:noFill/>
+        </p:spPr>
+        <p:txBody>
+          <a:bodyPr wrap="square">
+            <a:spAutoFit/>
+          </a:bodyPr>
+          <a:lstStyle/>
+          <a:p>
+            <a:pPr algn="ctr"/>
+            <a:r>
+              <a:rPr lang="en-US" sz="3600" b="1" dirty="0"/>
+              <a:t>Sealed Class</a:t>
+            </a:r>
+            <a:endParaRPr lang="en-IN" sz="3600" b="1" dirty="0"/>
+          </a:p>
+        </p:txBody>
+      </p:sp>
+    </p:spTree>
+    <p:extLst>
+      <p:ext uri="{BB962C8B-B14F-4D97-AF65-F5344CB8AC3E}">
+        <p14:creationId xmlns:p14="http://schemas.microsoft.com/office/powerpoint/2010/main" val="1122497584"/>
+      </p:ext>
+    </p:extLst>
+  </p:cSld>
+  <p:clrMapOvr>
+    <a:masterClrMapping/>
+  </p:clrMapOvr>
+</p:sld>
+</file>
+
+<file path=ppt/slides/slide33.xml><?xml version="1.0" encoding="utf-8"?>
+<p:sld xmlns:a="http://schemas.openxmlformats.org/drawingml/2006/main" xmlns:r="http://schemas.openxmlformats.org/officeDocument/2006/relationships" xmlns:p="http://schemas.openxmlformats.org/presentationml/2006/main">
+  <p:cSld>
+    <p:spTree>
+      <p:nvGrpSpPr>
+        <p:cNvPr id="1" name="">
+          <a:extLst>
+            <a:ext uri="{FF2B5EF4-FFF2-40B4-BE49-F238E27FC236}">
               <a16:creationId xmlns:a16="http://schemas.microsoft.com/office/drawing/2014/main" id="{615A6090-AE37-A9C9-B70A-5886DEC02B97}"/>
             </a:ext>
           </a:extLst>
@@ -13909,7 +14129,7 @@
         <p:spPr>
           <a:xfrm>
             <a:off x="482111" y="1336119"/>
-            <a:ext cx="11227777" cy="5047536"/>
+            <a:ext cx="11227777" cy="4401205"/>
           </a:xfrm>
           <a:prstGeom prst="rect">
             <a:avLst/>
@@ -13924,7 +14144,7 @@
           <a:p>
             <a:r>
               <a:rPr lang="en-US" sz="1400" dirty="0"/>
-              <a:t>In C#, a sealed class is a class that cannot be inherited by other classes. The sealed keyword is used to restrict a class from being extended, ensuring that its behavior remains unchanged and final. This is particularly useful when you want to prevent accidental or intentional modification of a class's functionality in derived classes</a:t>
+              <a:t>In C#, a partial class allows a single class to be split across multiple files. This feature is particularly helpful when dealing with large, complex classes or when collaborating in a team. By dividing the class into multiple files, developers can work on different parts of the class independently while keeping the overall structure more organized.</a:t>
             </a:r>
           </a:p>
           <a:p>
@@ -13933,11 +14153,17 @@
           <a:p>
             <a:r>
               <a:rPr lang="en-US" sz="1400" b="1" dirty="0"/>
-              <a:t>Behavior</a:t>
+              <a:t>Key Features of Partial Classes:</a:t>
+            </a:r>
+          </a:p>
+          <a:p>
+            <a:r>
+              <a:rPr lang="en-US" sz="1400" b="1" dirty="0"/>
+              <a:t>Definition Across Multiple Files: </a:t>
             </a:r>
             <a:r>
               <a:rPr lang="en-US" sz="1400" dirty="0"/>
-              <a:t>:</a:t>
+              <a:t>You can define a class in several files. At compile time, the compiler combines these files into one class.</a:t>
             </a:r>
           </a:p>
           <a:p>
@@ -13945,8 +14171,12 @@
           </a:p>
           <a:p>
             <a:r>
+              <a:rPr lang="en-US" sz="1400" b="1" dirty="0"/>
+              <a:t>Uses partial Keyword: </a:t>
+            </a:r>
+            <a:r>
               <a:rPr lang="en-US" sz="1400" dirty="0"/>
-              <a:t>Once a class is marked as sealed, it cannot be inherited.</a:t>
+              <a:t>Every file that contains a part of the class must include the partial keyword in its declaration.</a:t>
             </a:r>
           </a:p>
           <a:p>
@@ -13954,8 +14184,12 @@
           </a:p>
           <a:p>
             <a:r>
+              <a:rPr lang="en-US" sz="1400" b="1" dirty="0"/>
+              <a:t>Unified Accessibility: </a:t>
+            </a:r>
+            <a:r>
               <a:rPr lang="en-US" sz="1400" dirty="0"/>
-              <a:t>You can still use the class and its members in your application, but no additional subclasses can be created from it.</a:t>
+              <a:t>Members (like methods or properties) defined in one file are accessible as if they were defined in the same class file.</a:t>
             </a:r>
           </a:p>
           <a:p>
@@ -13963,12 +14197,22 @@
           </a:p>
           <a:p>
             <a:r>
+              <a:rPr lang="en-IN" sz="1600" b="1" dirty="0"/>
+              <a:t>Key Notes:</a:t>
+            </a:r>
+            <a:endParaRPr lang="en-US" sz="1600" b="1" dirty="0"/>
+          </a:p>
+          <a:p>
+            <a:endParaRPr lang="en-US" sz="1400" dirty="0"/>
+          </a:p>
+          <a:p>
+            <a:r>
               <a:rPr lang="en-US" sz="1400" b="1" dirty="0"/>
-              <a:t>Use Cases</a:t>
+              <a:t>Namespace Consistency: </a:t>
             </a:r>
             <a:r>
               <a:rPr lang="en-US" sz="1400" dirty="0"/>
-              <a:t>:</a:t>
+              <a:t>All partial class files must reside in the same namespace.</a:t>
             </a:r>
           </a:p>
           <a:p>
@@ -13977,11 +14221,11 @@
           <a:p>
             <a:r>
               <a:rPr lang="en-US" sz="1400" b="1" dirty="0"/>
-              <a:t>Utility Classes</a:t>
+              <a:t>Access Modifiers: </a:t>
             </a:r>
             <a:r>
               <a:rPr lang="en-US" sz="1400" dirty="0"/>
-              <a:t>:</a:t>
+              <a:t>The same access modifier (like public, internal) applies across all parts of the class.</a:t>
             </a:r>
           </a:p>
           <a:p>
@@ -13989,53 +14233,18 @@
           </a:p>
           <a:p>
             <a:r>
+              <a:rPr lang="en-US" sz="1400" b="1" dirty="0"/>
+              <a:t>Single Assembly: </a:t>
+            </a:r>
+            <a:r>
               <a:rPr lang="en-US" sz="1400" dirty="0"/>
-              <a:t>Prevent inheritance and modification of generic utility classes to ensure consistent functionality.</a:t>
+              <a:t>The entire partial class is combined into a single class within the compiled assembly</a:t>
             </a:r>
           </a:p>
           <a:p>
             <a:endParaRPr lang="en-US" sz="1400" dirty="0"/>
           </a:p>
           <a:p>
-            <a:r>
-              <a:rPr lang="en-US" sz="1400" b="1" dirty="0"/>
-              <a:t>Security Concerns</a:t>
-            </a:r>
-            <a:r>
-              <a:rPr lang="en-US" sz="1400" dirty="0"/>
-              <a:t>:</a:t>
-            </a:r>
-          </a:p>
-          <a:p>
-            <a:endParaRPr lang="en-US" sz="1400" dirty="0"/>
-          </a:p>
-          <a:p>
-            <a:r>
-              <a:rPr lang="en-US" sz="1400" dirty="0"/>
-              <a:t>Seal classes containing sensitive business logic to avoid accidental or malicious overrides.</a:t>
-            </a:r>
-          </a:p>
-          <a:p>
-            <a:endParaRPr lang="en-US" sz="1400" dirty="0"/>
-          </a:p>
-          <a:p>
-            <a:r>
-              <a:rPr lang="en-US" sz="1400" b="1" dirty="0"/>
-              <a:t>Performance</a:t>
-            </a:r>
-            <a:r>
-              <a:rPr lang="en-US" sz="1400" dirty="0"/>
-              <a:t>:</a:t>
-            </a:r>
-          </a:p>
-          <a:p>
-            <a:endParaRPr lang="en-US" sz="1400" dirty="0"/>
-          </a:p>
-          <a:p>
-            <a:r>
-              <a:rPr lang="en-US" sz="1400" dirty="0"/>
-              <a:t>The runtime optimizes method calls for sealed classes since it doesn't need to check for overrides.</a:t>
-            </a:r>
             <a:endParaRPr lang="en-IN" sz="1400" dirty="0"/>
           </a:p>
         </p:txBody>
@@ -14070,8 +14279,12 @@
           <a:p>
             <a:pPr algn="ctr"/>
             <a:r>
+              <a:rPr lang="en-US" sz="3600" b="1"/>
+              <a:t>Partial </a:t>
+            </a:r>
+            <a:r>
               <a:rPr lang="en-US" sz="3600" b="1" dirty="0"/>
-              <a:t>Sealed Class</a:t>
+              <a:t>Class</a:t>
             </a:r>
             <a:endParaRPr lang="en-IN" sz="3600" b="1" dirty="0"/>
           </a:p>
@@ -14090,7 +14303,7 @@
 </p:sld>
 </file>
 
-<file path=ppt/slides/slide33.xml><?xml version="1.0" encoding="utf-8"?>
+<file path=ppt/slides/slide34.xml><?xml version="1.0" encoding="utf-8"?>
 <p:sld xmlns:a="http://schemas.openxmlformats.org/drawingml/2006/main" xmlns:r="http://schemas.openxmlformats.org/officeDocument/2006/relationships" xmlns:p="http://schemas.openxmlformats.org/presentationml/2006/main">
   <p:cSld>
     <p:spTree>
@@ -15028,7 +15241,7 @@
 </p:sld>
 </file>
 
-<file path=ppt/slides/slide34.xml><?xml version="1.0" encoding="utf-8"?>
+<file path=ppt/slides/slide35.xml><?xml version="1.0" encoding="utf-8"?>
 <p:sld xmlns:a="http://schemas.openxmlformats.org/drawingml/2006/main" xmlns:r="http://schemas.openxmlformats.org/officeDocument/2006/relationships" xmlns:p="http://schemas.openxmlformats.org/presentationml/2006/main">
   <p:cSld>
     <p:spTree>
@@ -15271,7 +15484,7 @@
 </p:sld>
 </file>
 
-<file path=ppt/slides/slide35.xml><?xml version="1.0" encoding="utf-8"?>
+<file path=ppt/slides/slide36.xml><?xml version="1.0" encoding="utf-8"?>
 <p:sld xmlns:a="http://schemas.openxmlformats.org/drawingml/2006/main" xmlns:r="http://schemas.openxmlformats.org/officeDocument/2006/relationships" xmlns:p="http://schemas.openxmlformats.org/presentationml/2006/main">
   <p:cSld>
     <p:spTree>
@@ -15556,7 +15769,7 @@
 </p:sld>
 </file>
 
-<file path=ppt/slides/slide36.xml><?xml version="1.0" encoding="utf-8"?>
+<file path=ppt/slides/slide37.xml><?xml version="1.0" encoding="utf-8"?>
 <p:sld xmlns:a="http://schemas.openxmlformats.org/drawingml/2006/main" xmlns:r="http://schemas.openxmlformats.org/officeDocument/2006/relationships" xmlns:p="http://schemas.openxmlformats.org/presentationml/2006/main">
   <p:cSld>
     <p:spTree>
@@ -16339,7 +16552,7 @@
 </p:sld>
 </file>
 
-<file path=ppt/slides/slide37.xml><?xml version="1.0" encoding="utf-8"?>
+<file path=ppt/slides/slide38.xml><?xml version="1.0" encoding="utf-8"?>
 <p:sld xmlns:a="http://schemas.openxmlformats.org/drawingml/2006/main" xmlns:r="http://schemas.openxmlformats.org/officeDocument/2006/relationships" xmlns:p="http://schemas.openxmlformats.org/presentationml/2006/main">
   <p:cSld>
     <p:spTree>
